--- a/project_poster.pptx
+++ b/project_poster.pptx
@@ -1970,7 +1970,7 @@
         <p:spPr/>
         <p:txBody>
           <a:bodyPr>
-            <a:normAutofit fontScale="90000"/>
+            <a:normAutofit/>
           </a:bodyPr>
           <a:lstStyle/>
           <a:p>
@@ -1979,12 +1979,8 @@
               <a:t>Comparing Revenue generated by schools in </a:t>
             </a:r>
             <a:r>
-              <a:rPr lang="en-US" dirty="0" err="1" smtClean="0"/>
-              <a:t>diffrent</a:t>
-            </a:r>
-            <a:r>
-              <a:rPr lang="en-US" dirty="0" smtClean="0"/>
-              <a:t> State in 1982</a:t>
+              <a:rPr lang="en-US" smtClean="0"/>
+              <a:t>different State</a:t>
             </a:r>
             <a:endParaRPr lang="en-US" dirty="0"/>
           </a:p>
@@ -2273,6 +2269,12 @@
           <a:lstStyle/>
           <a:p>
             <a:pPr algn="ctr"/>
+            <a:r>
+              <a:rPr lang="en-US" sz="6000">
+                <a:hlinkClick r:id="rId5"/>
+              </a:rPr>
+              <a:t>https://github.com/settysachin16/MLProjectPoster</a:t>
+            </a:r>
             <a:endParaRPr lang="en-US" sz="6000" dirty="0"/>
           </a:p>
         </p:txBody>
@@ -2384,7 +2386,7 @@
           </p:nvPr>
         </p:nvPicPr>
         <p:blipFill>
-          <a:blip r:embed="rId5">
+          <a:blip r:embed="rId6">
             <a:extLst>
               <a:ext uri="{28A0092B-C50C-407E-A947-70E740481C1C}">
                 <a14:useLocalDpi xmlns:a14="http://schemas.microsoft.com/office/drawing/2010/main" val="0"/>
@@ -2686,7 +2688,7 @@
           <p:nvPr/>
         </p:nvPicPr>
         <p:blipFill>
-          <a:blip r:embed="rId6">
+          <a:blip r:embed="rId7">
             <a:extLst>
               <a:ext uri="{28A0092B-C50C-407E-A947-70E740481C1C}">
                 <a14:useLocalDpi xmlns:a14="http://schemas.microsoft.com/office/drawing/2010/main" val="0"/>
@@ -2716,7 +2718,7 @@
           <p:nvPr/>
         </p:nvPicPr>
         <p:blipFill>
-          <a:blip r:embed="rId7">
+          <a:blip r:embed="rId8">
             <a:extLst>
               <a:ext uri="{28A0092B-C50C-407E-A947-70E740481C1C}">
                 <a14:useLocalDpi xmlns:a14="http://schemas.microsoft.com/office/drawing/2010/main" val="0"/>
@@ -2746,7 +2748,7 @@
           <p:nvPr/>
         </p:nvPicPr>
         <p:blipFill>
-          <a:blip r:embed="rId8">
+          <a:blip r:embed="rId9">
             <a:extLst>
               <a:ext uri="{28A0092B-C50C-407E-A947-70E740481C1C}">
                 <a14:useLocalDpi xmlns:a14="http://schemas.microsoft.com/office/drawing/2010/main" val="0"/>
